--- a/Koveah.pptx
+++ b/Koveah.pptx
@@ -7,10 +7,9 @@
   <p:sldIdLst>
     <p:sldId id="256" r:id="rId2"/>
     <p:sldId id="257" r:id="rId3"/>
-    <p:sldId id="258" r:id="rId4"/>
-    <p:sldId id="260" r:id="rId5"/>
-    <p:sldId id="261" r:id="rId6"/>
-    <p:sldId id="262" r:id="rId7"/>
+    <p:sldId id="260" r:id="rId4"/>
+    <p:sldId id="261" r:id="rId5"/>
+    <p:sldId id="262" r:id="rId6"/>
   </p:sldIdLst>
   <p:sldSz cx="12192000" cy="6858000"/>
   <p:notesSz cx="6858000" cy="9144000"/>
@@ -109,6 +108,11 @@
       </a:defRPr>
     </a:lvl9pPr>
   </p:defaultTextStyle>
+  <p:extLst>
+    <p:ext uri="{EFAFB233-063F-42B5-8137-9DF3F51BA10A}">
+      <p15:sldGuideLst xmlns:p15="http://schemas.microsoft.com/office/powerpoint/2012/main"/>
+    </p:ext>
+  </p:extLst>
 </p:presentation>
 </file>
 
@@ -3583,7 +3587,12 @@
             <p:ph type="ctrTitle"/>
           </p:nvPr>
         </p:nvSpPr>
-        <p:spPr/>
+        <p:spPr>
+          <a:xfrm>
+            <a:off x="2417779" y="802298"/>
+            <a:ext cx="8637073" cy="2541431"/>
+          </a:xfrm>
+        </p:spPr>
         <p:txBody>
           <a:bodyPr/>
           <a:lstStyle/>
@@ -3649,6 +3658,36 @@
           </a:p>
         </p:txBody>
       </p:sp>
+      <p:pic>
+        <p:nvPicPr>
+          <p:cNvPr id="4" name="Content Placeholder 4">
+            <a:extLst>
+              <a:ext uri="{FF2B5EF4-FFF2-40B4-BE49-F238E27FC236}">
+                <a16:creationId xmlns:a16="http://schemas.microsoft.com/office/drawing/2014/main" id="{1DC2EB44-4826-FE45-9F70-66F7D19F5D86}"/>
+              </a:ext>
+            </a:extLst>
+          </p:cNvPr>
+          <p:cNvPicPr>
+            <a:picLocks noChangeAspect="1"/>
+          </p:cNvPicPr>
+          <p:nvPr/>
+        </p:nvPicPr>
+        <p:blipFill>
+          <a:blip r:embed="rId2"/>
+          <a:stretch>
+            <a:fillRect/>
+          </a:stretch>
+        </p:blipFill>
+        <p:spPr>
+          <a:xfrm>
+            <a:off x="7359806" y="99257"/>
+            <a:ext cx="3338210" cy="3338210"/>
+          </a:xfrm>
+          <a:prstGeom prst="rect">
+            <a:avLst/>
+          </a:prstGeom>
+        </p:spPr>
+      </p:pic>
     </p:spTree>
     <p:extLst>
       <p:ext uri="{BB962C8B-B14F-4D97-AF65-F5344CB8AC3E}">
@@ -3732,6 +3771,12 @@
           <a:p>
             <a:r>
               <a:rPr lang="en-US" dirty="0"/>
+              <a:t>Like a bookmark, but better</a:t>
+            </a:r>
+          </a:p>
+          <a:p>
+            <a:r>
+              <a:rPr lang="en-US" dirty="0"/>
               <a:t>To track the amount of time you read each book/</a:t>
             </a:r>
             <a:r>
@@ -3810,100 +3855,6 @@
           <p:cNvPr id="2" name="Title 1">
             <a:extLst>
               <a:ext uri="{FF2B5EF4-FFF2-40B4-BE49-F238E27FC236}">
-                <a16:creationId xmlns:a16="http://schemas.microsoft.com/office/drawing/2014/main" id="{BF6DF1CC-EF3C-9442-89C7-BBFCD8934DE4}"/>
-              </a:ext>
-            </a:extLst>
-          </p:cNvPr>
-          <p:cNvSpPr>
-            <a:spLocks noGrp="1"/>
-          </p:cNvSpPr>
-          <p:nvPr>
-            <p:ph type="title"/>
-          </p:nvPr>
-        </p:nvSpPr>
-        <p:spPr>
-          <a:xfrm>
-            <a:off x="1451579" y="804519"/>
-            <a:ext cx="9603275" cy="809969"/>
-          </a:xfrm>
-        </p:spPr>
-        <p:txBody>
-          <a:bodyPr>
-            <a:noAutofit/>
-          </a:bodyPr>
-          <a:lstStyle/>
-          <a:p>
-            <a:r>
-              <a:rPr lang="en-US" sz="5400" dirty="0"/>
-              <a:t>Logo</a:t>
-            </a:r>
-          </a:p>
-        </p:txBody>
-      </p:sp>
-      <p:pic>
-        <p:nvPicPr>
-          <p:cNvPr id="5" name="Content Placeholder 4">
-            <a:extLst>
-              <a:ext uri="{FF2B5EF4-FFF2-40B4-BE49-F238E27FC236}">
-                <a16:creationId xmlns:a16="http://schemas.microsoft.com/office/drawing/2014/main" id="{DB364BE2-752B-AF4E-8A35-CE8BC79D9735}"/>
-              </a:ext>
-            </a:extLst>
-          </p:cNvPr>
-          <p:cNvPicPr>
-            <a:picLocks noGrp="1" noChangeAspect="1"/>
-          </p:cNvPicPr>
-          <p:nvPr>
-            <p:ph idx="1"/>
-          </p:nvPr>
-        </p:nvPicPr>
-        <p:blipFill>
-          <a:blip r:embed="rId2"/>
-          <a:stretch>
-            <a:fillRect/>
-          </a:stretch>
-        </p:blipFill>
-        <p:spPr>
-          <a:xfrm>
-            <a:off x="5666311" y="229620"/>
-            <a:ext cx="5388543" cy="5388543"/>
-          </a:xfrm>
-        </p:spPr>
-      </p:pic>
-    </p:spTree>
-    <p:extLst>
-      <p:ext uri="{BB962C8B-B14F-4D97-AF65-F5344CB8AC3E}">
-        <p14:creationId xmlns:p14="http://schemas.microsoft.com/office/powerpoint/2010/main" val="3204489080"/>
-      </p:ext>
-    </p:extLst>
-  </p:cSld>
-  <p:clrMapOvr>
-    <a:masterClrMapping/>
-  </p:clrMapOvr>
-</p:sld>
-</file>
-
-<file path=ppt/slides/slide4.xml><?xml version="1.0" encoding="utf-8"?>
-<p:sld xmlns:a="http://schemas.openxmlformats.org/drawingml/2006/main" xmlns:r="http://schemas.openxmlformats.org/officeDocument/2006/relationships" xmlns:p="http://schemas.openxmlformats.org/presentationml/2006/main">
-  <p:cSld>
-    <p:spTree>
-      <p:nvGrpSpPr>
-        <p:cNvPr id="1" name=""/>
-        <p:cNvGrpSpPr/>
-        <p:nvPr/>
-      </p:nvGrpSpPr>
-      <p:grpSpPr>
-        <a:xfrm>
-          <a:off x="0" y="0"/>
-          <a:ext cx="0" cy="0"/>
-          <a:chOff x="0" y="0"/>
-          <a:chExt cx="0" cy="0"/>
-        </a:xfrm>
-      </p:grpSpPr>
-      <p:sp>
-        <p:nvSpPr>
-          <p:cNvPr id="2" name="Title 1">
-            <a:extLst>
-              <a:ext uri="{FF2B5EF4-FFF2-40B4-BE49-F238E27FC236}">
                 <a16:creationId xmlns:a16="http://schemas.microsoft.com/office/drawing/2014/main" id="{A0745929-72FE-B645-B831-97674259714D}"/>
               </a:ext>
             </a:extLst>
@@ -3965,7 +3916,7 @@
 </p:sld>
 </file>
 
-<file path=ppt/slides/slide5.xml><?xml version="1.0" encoding="utf-8"?>
+<file path=ppt/slides/slide4.xml><?xml version="1.0" encoding="utf-8"?>
 <p:sld xmlns:a="http://schemas.openxmlformats.org/drawingml/2006/main" xmlns:r="http://schemas.openxmlformats.org/officeDocument/2006/relationships" xmlns:p="http://schemas.openxmlformats.org/presentationml/2006/main">
   <p:cSld>
     <p:spTree>
@@ -4025,7 +3976,7 @@
 </p:sld>
 </file>
 
-<file path=ppt/slides/slide6.xml><?xml version="1.0" encoding="utf-8"?>
+<file path=ppt/slides/slide5.xml><?xml version="1.0" encoding="utf-8"?>
 <p:sld xmlns:a="http://schemas.openxmlformats.org/drawingml/2006/main" xmlns:r="http://schemas.openxmlformats.org/officeDocument/2006/relationships" xmlns:p="http://schemas.openxmlformats.org/presentationml/2006/main">
   <p:cSld>
     <p:spTree>
